--- a/slides/Online/2020/04a - CharactersAndStrings.pptx
+++ b/slides/Online/2020/04a - CharactersAndStrings.pptx
@@ -218,7 +218,7 @@
           <a:p>
             <a:fld id="{4D7E51A5-B478-1E40-8CBB-0DAA8831E99D}" type="datetimeFigureOut">
               <a:rPr lang="en-US" smtClean="0"/>
-              <a:t>3/8/20</a:t>
+              <a:t>3/16/20</a:t>
             </a:fld>
             <a:endParaRPr lang="en-US"/>
           </a:p>
@@ -383,7 +383,7 @@
           <a:p>
             <a:fld id="{D0ED587F-861E-6740-9643-E3DDAE89B8D6}" type="datetimeFigureOut">
               <a:rPr lang="en-US" smtClean="0"/>
-              <a:t>3/8/20</a:t>
+              <a:t>3/16/20</a:t>
             </a:fld>
             <a:endParaRPr lang="en-US"/>
           </a:p>
@@ -7149,10 +7149,10 @@
         </p:nvGrpSpPr>
         <p:grpSpPr>
           <a:xfrm>
-            <a:off x="622513" y="1702820"/>
-            <a:ext cx="828049" cy="5507726"/>
-            <a:chOff x="622513" y="1702820"/>
-            <a:chExt cx="828049" cy="5507726"/>
+            <a:off x="623603" y="1702820"/>
+            <a:ext cx="826959" cy="5507726"/>
+            <a:chOff x="623603" y="1702820"/>
+            <a:chExt cx="826959" cy="5507726"/>
           </a:xfrm>
         </p:grpSpPr>
         <p:sp>
@@ -7337,8 +7337,8 @@
           </p:nvSpPr>
           <p:spPr>
             <a:xfrm>
-              <a:off x="622513" y="2309933"/>
-              <a:ext cx="825206" cy="609600"/>
+              <a:off x="630115" y="2309933"/>
+              <a:ext cx="817604" cy="609600"/>
             </a:xfrm>
             <a:prstGeom prst="rect">
               <a:avLst/>
@@ -7801,8 +7801,19 @@
                 <a:latin typeface="Consolas" panose="020B0609020204030204" pitchFamily="49" charset="0"/>
                 <a:cs typeface="Consolas" panose="020B0609020204030204" pitchFamily="49" charset="0"/>
               </a:rPr>
-              <a:t>String mascot = “Cam”;</a:t>
-            </a:r>
+              <a:t>String mascot = </a:t>
+            </a:r>
+            <a:r>
+              <a:rPr lang="en-US">
+                <a:latin typeface="Consolas" panose="020B0609020204030204" pitchFamily="49" charset="0"/>
+                <a:cs typeface="Consolas" panose="020B0609020204030204" pitchFamily="49" charset="0"/>
+              </a:rPr>
+              <a:t>“CAM”;</a:t>
+            </a:r>
+            <a:endParaRPr lang="en-US" dirty="0">
+              <a:latin typeface="Consolas" panose="020B0609020204030204" pitchFamily="49" charset="0"/>
+              <a:cs typeface="Consolas" panose="020B0609020204030204" pitchFamily="49" charset="0"/>
+            </a:endParaRPr>
           </a:p>
         </p:txBody>
       </p:sp>
